--- a/Software Engineering/00-Software-Engineering-Agile.pptx
+++ b/Software Engineering/00-Software-Engineering-Agile.pptx
@@ -336,7 +336,7 @@
           <a:p>
             <a:fld id="{42305248-1DF7-4991-A546-26B222278BBF}" type="datetimeFigureOut">
               <a:rPr lang="en-US" smtClean="0"/>
-              <a:t>11/26/2024</a:t>
+              <a:t>11/27/2024</a:t>
             </a:fld>
             <a:endParaRPr lang="en-US"/>
           </a:p>
@@ -674,7 +674,7 @@
           <a:p>
             <a:fld id="{42305248-1DF7-4991-A546-26B222278BBF}" type="datetimeFigureOut">
               <a:rPr lang="en-US" smtClean="0"/>
-              <a:t>11/26/2024</a:t>
+              <a:t>11/27/2024</a:t>
             </a:fld>
             <a:endParaRPr lang="en-US"/>
           </a:p>
@@ -1075,7 +1075,7 @@
           <a:p>
             <a:fld id="{42305248-1DF7-4991-A546-26B222278BBF}" type="datetimeFigureOut">
               <a:rPr lang="en-US" smtClean="0"/>
-              <a:t>11/26/2024</a:t>
+              <a:t>11/27/2024</a:t>
             </a:fld>
             <a:endParaRPr lang="en-US"/>
           </a:p>
@@ -1411,7 +1411,7 @@
           <a:p>
             <a:fld id="{42305248-1DF7-4991-A546-26B222278BBF}" type="datetimeFigureOut">
               <a:rPr lang="en-US" smtClean="0"/>
-              <a:t>11/26/2024</a:t>
+              <a:t>11/27/2024</a:t>
             </a:fld>
             <a:endParaRPr lang="en-US"/>
           </a:p>
@@ -1731,7 +1731,7 @@
           <a:p>
             <a:fld id="{42305248-1DF7-4991-A546-26B222278BBF}" type="datetimeFigureOut">
               <a:rPr lang="en-US" smtClean="0"/>
-              <a:t>11/26/2024</a:t>
+              <a:t>11/27/2024</a:t>
             </a:fld>
             <a:endParaRPr lang="en-US"/>
           </a:p>
@@ -2127,7 +2127,7 @@
           <a:p>
             <a:fld id="{42305248-1DF7-4991-A546-26B222278BBF}" type="datetimeFigureOut">
               <a:rPr lang="en-US" smtClean="0"/>
-              <a:t>11/26/2024</a:t>
+              <a:t>11/27/2024</a:t>
             </a:fld>
             <a:endParaRPr lang="en-US"/>
           </a:p>
@@ -2384,7 +2384,7 @@
           <a:p>
             <a:fld id="{42305248-1DF7-4991-A546-26B222278BBF}" type="datetimeFigureOut">
               <a:rPr lang="en-US" smtClean="0"/>
-              <a:t>11/26/2024</a:t>
+              <a:t>11/27/2024</a:t>
             </a:fld>
             <a:endParaRPr lang="en-US"/>
           </a:p>
@@ -2646,7 +2646,7 @@
           <a:p>
             <a:fld id="{42305248-1DF7-4991-A546-26B222278BBF}" type="datetimeFigureOut">
               <a:rPr lang="en-US" smtClean="0"/>
-              <a:t>11/26/2024</a:t>
+              <a:t>11/27/2024</a:t>
             </a:fld>
             <a:endParaRPr lang="en-US"/>
           </a:p>
@@ -2908,7 +2908,7 @@
           <a:p>
             <a:fld id="{42305248-1DF7-4991-A546-26B222278BBF}" type="datetimeFigureOut">
               <a:rPr lang="en-US" smtClean="0"/>
-              <a:t>11/26/2024</a:t>
+              <a:t>11/27/2024</a:t>
             </a:fld>
             <a:endParaRPr lang="en-US"/>
           </a:p>
@@ -3237,7 +3237,7 @@
           <a:p>
             <a:fld id="{42305248-1DF7-4991-A546-26B222278BBF}" type="datetimeFigureOut">
               <a:rPr lang="en-US" smtClean="0"/>
-              <a:t>11/26/2024</a:t>
+              <a:t>11/27/2024</a:t>
             </a:fld>
             <a:endParaRPr lang="en-US"/>
           </a:p>
@@ -3560,7 +3560,7 @@
           <a:p>
             <a:fld id="{42305248-1DF7-4991-A546-26B222278BBF}" type="datetimeFigureOut">
               <a:rPr lang="en-US" smtClean="0"/>
-              <a:t>11/26/2024</a:t>
+              <a:t>11/27/2024</a:t>
             </a:fld>
             <a:endParaRPr lang="en-US"/>
           </a:p>
@@ -4017,7 +4017,7 @@
           <a:p>
             <a:fld id="{42305248-1DF7-4991-A546-26B222278BBF}" type="datetimeFigureOut">
               <a:rPr lang="en-US" smtClean="0"/>
-              <a:t>11/26/2024</a:t>
+              <a:t>11/27/2024</a:t>
             </a:fld>
             <a:endParaRPr lang="en-US"/>
           </a:p>
@@ -4222,7 +4222,7 @@
           <a:p>
             <a:fld id="{42305248-1DF7-4991-A546-26B222278BBF}" type="datetimeFigureOut">
               <a:rPr lang="en-US" smtClean="0"/>
-              <a:t>11/26/2024</a:t>
+              <a:t>11/27/2024</a:t>
             </a:fld>
             <a:endParaRPr lang="en-US"/>
           </a:p>
@@ -4399,7 +4399,7 @@
           <a:p>
             <a:fld id="{42305248-1DF7-4991-A546-26B222278BBF}" type="datetimeFigureOut">
               <a:rPr lang="en-US" smtClean="0"/>
-              <a:t>11/26/2024</a:t>
+              <a:t>11/27/2024</a:t>
             </a:fld>
             <a:endParaRPr lang="en-US"/>
           </a:p>
@@ -4732,7 +4732,7 @@
           <a:p>
             <a:fld id="{42305248-1DF7-4991-A546-26B222278BBF}" type="datetimeFigureOut">
               <a:rPr lang="en-US" smtClean="0"/>
-              <a:t>11/26/2024</a:t>
+              <a:t>11/27/2024</a:t>
             </a:fld>
             <a:endParaRPr lang="en-US"/>
           </a:p>
@@ -5077,7 +5077,7 @@
           <a:p>
             <a:fld id="{42305248-1DF7-4991-A546-26B222278BBF}" type="datetimeFigureOut">
               <a:rPr lang="en-US" smtClean="0"/>
-              <a:t>11/26/2024</a:t>
+              <a:t>11/27/2024</a:t>
             </a:fld>
             <a:endParaRPr lang="en-US"/>
           </a:p>
@@ -7194,7 +7194,7 @@
           <a:p>
             <a:fld id="{42305248-1DF7-4991-A546-26B222278BBF}" type="datetimeFigureOut">
               <a:rPr lang="en-US" smtClean="0"/>
-              <a:t>11/26/2024</a:t>
+              <a:t>11/27/2024</a:t>
             </a:fld>
             <a:endParaRPr lang="en-US"/>
           </a:p>
@@ -7934,7 +7934,7 @@
           <p:nvPr>
             <p:extLst>
               <p:ext uri="{D42A27DB-BD31-4B8C-83A1-F6EECF244321}">
-                <p14:modId xmlns:p14="http://schemas.microsoft.com/office/powerpoint/2010/main" val="982995895"/>
+                <p14:modId xmlns:p14="http://schemas.microsoft.com/office/powerpoint/2010/main" val="3016578936"/>
               </p:ext>
             </p:extLst>
           </p:nvPr>
@@ -8076,7 +8076,10 @@
                     <a:bodyPr/>
                     <a:lstStyle/>
                     <a:p>
-                      <a:endParaRPr lang="en-US" dirty="0"/>
+                      <a:r>
+                        <a:rPr lang="en-US" dirty="0"/>
+                        <a:t>Backlog</a:t>
+                      </a:r>
                     </a:p>
                   </a:txBody>
                   <a:tcPr/>
@@ -8104,7 +8107,10 @@
                     <a:bodyPr/>
                     <a:lstStyle/>
                     <a:p>
-                      <a:endParaRPr lang="en-US"/>
+                      <a:r>
+                        <a:rPr lang="en-US" dirty="0"/>
+                        <a:t>Sprint</a:t>
+                      </a:r>
                     </a:p>
                   </a:txBody>
                   <a:tcPr/>
@@ -8132,7 +8138,7 @@
                     <a:bodyPr/>
                     <a:lstStyle/>
                     <a:p>
-                      <a:endParaRPr lang="en-US"/>
+                      <a:endParaRPr lang="en-US" dirty="0"/>
                     </a:p>
                   </a:txBody>
                   <a:tcPr/>
@@ -8699,8 +8705,8 @@
         </p:blipFill>
         <p:spPr>
           <a:xfrm>
-            <a:off x="629770" y="1404407"/>
-            <a:ext cx="5251077" cy="3500718"/>
+            <a:off x="244287" y="1413372"/>
+            <a:ext cx="7938341" cy="5292227"/>
           </a:xfrm>
           <a:prstGeom prst="rect">
             <a:avLst/>
@@ -9170,8 +9176,8 @@
         </p:blipFill>
         <p:spPr>
           <a:xfrm>
-            <a:off x="1611407" y="986116"/>
-            <a:ext cx="9215720" cy="4607860"/>
+            <a:off x="936811" y="1322294"/>
+            <a:ext cx="10623176" cy="5311588"/>
           </a:xfrm>
           <a:prstGeom prst="rect">
             <a:avLst/>
